--- a/2020191009_Ahmad Rifa'i_Text Mining Berita.pptx
+++ b/2020191009_Ahmad Rifa'i_Text Mining Berita.pptx
@@ -4033,13 +4033,7 @@
               <a:rPr lang="en-US" altLang="en-US" sz="1800" b="1">
                 <a:sym typeface="+mn-ea"/>
               </a:rPr>
-              <a:t>KESEHATAN</a:t>
-            </a:r>
-            <a:r>
-              <a:rPr lang="" altLang="en-US" sz="1800" b="1">
-                <a:sym typeface="+mn-ea"/>
-              </a:rPr>
-              <a:t>, </a:t>
+              <a:t>KESEHATAN, </a:t>
             </a:r>
             <a:r>
               <a:rPr lang="en-US" altLang="en-US" sz="1800" b="1"/>
@@ -4126,7 +4120,7 @@
           <a:p>
             <a:pPr algn="ctr"/>
             <a:r>
-              <a:rPr lang="" altLang="en-US" sz="7200" b="1">
+              <a:rPr lang="en-US" altLang="en-US" sz="7200" b="1">
                 <a:ln w="10160">
                   <a:solidFill>
                     <a:schemeClr val="accent5"/>
@@ -4146,7 +4140,7 @@
               </a:rPr>
               <a:t>TEXT MINING</a:t>
             </a:r>
-            <a:endParaRPr lang="" altLang="en-US" sz="7200" b="1">
+            <a:endParaRPr lang="en-US" altLang="en-US" sz="7200" b="1">
               <a:ln w="10160">
                 <a:solidFill>
                   <a:schemeClr val="accent5"/>
@@ -4168,7 +4162,7 @@
           <a:p>
             <a:pPr algn="ctr"/>
             <a:r>
-              <a:rPr lang="" altLang="en-US" sz="7200" b="1">
+              <a:rPr lang="en-US" altLang="en-US" sz="7200" b="1">
                 <a:ln w="10160">
                   <a:solidFill>
                     <a:schemeClr val="accent5"/>
@@ -4188,7 +4182,7 @@
               </a:rPr>
               <a:t>AND</a:t>
             </a:r>
-            <a:endParaRPr lang="" altLang="en-US" sz="7200" b="1">
+            <a:endParaRPr lang="en-US" altLang="en-US" sz="7200" b="1">
               <a:ln w="10160">
                 <a:solidFill>
                   <a:schemeClr val="accent5"/>
@@ -4210,7 +4204,7 @@
           <a:p>
             <a:pPr algn="ctr"/>
             <a:r>
-              <a:rPr lang="" altLang="en-US" sz="7200" b="1">
+              <a:rPr lang="en-US" altLang="en-US" sz="7200" b="1">
                 <a:ln w="10160">
                   <a:solidFill>
                     <a:schemeClr val="accent5"/>
@@ -4230,7 +4224,7 @@
               </a:rPr>
               <a:t>CLASSIFICATION</a:t>
             </a:r>
-            <a:endParaRPr lang="" altLang="en-US" sz="7200" b="1">
+            <a:endParaRPr lang="en-US" altLang="en-US" sz="7200" b="1">
               <a:ln w="10160">
                 <a:solidFill>
                   <a:schemeClr val="accent5"/>
@@ -4284,10 +4278,10 @@
           <a:bodyPr/>
           <a:p>
             <a:r>
-              <a:rPr lang="" altLang="en-US" b="1"/>
+              <a:rPr lang="en-US" altLang="en-US" b="1"/>
               <a:t>MEMBUAT DATA TRAINING DAN DATA TESTING</a:t>
             </a:r>
-            <a:endParaRPr lang="" altLang="en-US" b="1"/>
+            <a:endParaRPr lang="en-US" altLang="en-US" b="1"/>
           </a:p>
         </p:txBody>
       </p:sp>
@@ -4395,7 +4389,7 @@
                         <a:buNone/>
                       </a:pPr>
                       <a:r>
-                        <a:rPr lang="" altLang="en-US" b="0">
+                        <a:rPr lang="en-US" altLang="en-US" b="0">
                           <a:solidFill>
                             <a:srgbClr val="FFFFFF"/>
                           </a:solidFill>
@@ -4403,7 +4397,7 @@
                         </a:rPr>
                         <a:t>Title</a:t>
                       </a:r>
-                      <a:endParaRPr lang="" altLang="en-US" b="0">
+                      <a:endParaRPr lang="en-US" altLang="en-US" b="0">
                         <a:solidFill>
                           <a:srgbClr val="FFFFFF"/>
                         </a:solidFill>
@@ -4735,7 +4729,7 @@
                         <a:buNone/>
                       </a:pPr>
                       <a:r>
-                        <a:rPr lang="" altLang="en-US" b="0">
+                        <a:rPr lang="en-US" altLang="en-US" b="0">
                           <a:solidFill>
                             <a:srgbClr val="FFFFFF"/>
                           </a:solidFill>
@@ -4743,7 +4737,7 @@
                         </a:rPr>
                         <a:t>...</a:t>
                       </a:r>
-                      <a:endParaRPr lang="" altLang="en-US" b="0">
+                      <a:endParaRPr lang="en-US" altLang="en-US" b="0">
                         <a:solidFill>
                           <a:srgbClr val="FFFFFF"/>
                         </a:solidFill>
@@ -4812,7 +4806,7 @@
                         <a:t>word</a:t>
                       </a:r>
                       <a:r>
-                        <a:rPr lang="" altLang="en-US" b="0">
+                        <a:rPr lang="en-US" altLang="en-US" b="0">
                           <a:solidFill>
                             <a:srgbClr val="FFFFFF"/>
                           </a:solidFill>
@@ -4820,7 +4814,7 @@
                         </a:rPr>
                         <a:t>371</a:t>
                       </a:r>
-                      <a:endParaRPr lang="" altLang="en-US" b="0">
+                      <a:endParaRPr lang="en-US" altLang="en-US" b="0">
                         <a:solidFill>
                           <a:srgbClr val="FFFFFF"/>
                         </a:solidFill>
@@ -5016,7 +5010,7 @@
                         <a:buNone/>
                       </a:pPr>
                       <a:r>
-                        <a:rPr lang="" altLang="en-US" b="0">
+                        <a:rPr lang="en-US" altLang="en-US" b="0">
                           <a:solidFill>
                             <a:srgbClr val="000000"/>
                           </a:solidFill>
@@ -5024,7 +5018,7 @@
                         </a:rPr>
                         <a:t>Judul Berita1</a:t>
                       </a:r>
-                      <a:endParaRPr lang="" altLang="en-US" b="0">
+                      <a:endParaRPr lang="en-US" altLang="en-US" b="0">
                         <a:solidFill>
                           <a:srgbClr val="000000"/>
                         </a:solidFill>
@@ -5346,7 +5340,7 @@
                         <a:buNone/>
                       </a:pPr>
                       <a:r>
-                        <a:rPr lang="" altLang="en-US" b="0">
+                        <a:rPr lang="en-US" altLang="en-US" b="0">
                           <a:solidFill>
                             <a:srgbClr val="000000"/>
                           </a:solidFill>
@@ -5354,7 +5348,7 @@
                         </a:rPr>
                         <a:t>...</a:t>
                       </a:r>
-                      <a:endParaRPr lang="" altLang="en-US" b="0">
+                      <a:endParaRPr lang="en-US" altLang="en-US" b="0">
                         <a:solidFill>
                           <a:srgbClr val="000000"/>
                         </a:solidFill>
@@ -5612,7 +5606,7 @@
                         <a:buNone/>
                       </a:pPr>
                       <a:r>
-                        <a:rPr lang="" altLang="en-US" b="0">
+                        <a:rPr lang="en-US" altLang="en-US" b="0">
                           <a:solidFill>
                             <a:srgbClr val="000000"/>
                           </a:solidFill>
@@ -5620,7 +5614,7 @@
                         </a:rPr>
                         <a:t>Judul Berita2</a:t>
                       </a:r>
-                      <a:endParaRPr lang="" altLang="en-US" b="0">
+                      <a:endParaRPr lang="en-US" altLang="en-US" b="0">
                         <a:solidFill>
                           <a:srgbClr val="000000"/>
                         </a:solidFill>
@@ -5942,7 +5936,7 @@
                         <a:buNone/>
                       </a:pPr>
                       <a:r>
-                        <a:rPr lang="" altLang="en-US" b="0">
+                        <a:rPr lang="en-US" altLang="en-US" b="0">
                           <a:solidFill>
                             <a:srgbClr val="000000"/>
                           </a:solidFill>
@@ -5950,7 +5944,7 @@
                         </a:rPr>
                         <a:t>...</a:t>
                       </a:r>
-                      <a:endParaRPr lang="" altLang="en-US" b="0">
+                      <a:endParaRPr lang="en-US" altLang="en-US" b="0">
                         <a:solidFill>
                           <a:srgbClr val="000000"/>
                         </a:solidFill>
@@ -6215,19 +6209,9 @@
                           <a:latin typeface="Calibri" charset="-122"/>
                           <a:sym typeface="+mn-ea"/>
                         </a:rPr>
-                        <a:t>Judul Berita</a:t>
+                        <a:t>Judul Berita3</a:t>
                       </a:r>
-                      <a:r>
-                        <a:rPr lang="" altLang="en-US" sz="1800">
-                          <a:solidFill>
-                            <a:srgbClr val="000000"/>
-                          </a:solidFill>
-                          <a:latin typeface="Calibri" charset="-122"/>
-                          <a:sym typeface="+mn-ea"/>
-                        </a:rPr>
-                        <a:t>3</a:t>
-                      </a:r>
-                      <a:endParaRPr lang="" altLang="en-US" sz="1800" b="0">
+                      <a:endParaRPr lang="en-US" altLang="en-US" sz="1800" b="0">
                         <a:solidFill>
                           <a:srgbClr val="000000"/>
                         </a:solidFill>
@@ -6286,7 +6270,7 @@
                         <a:buNone/>
                       </a:pPr>
                       <a:r>
-                        <a:rPr lang="" altLang="en-US" b="0">
+                        <a:rPr lang="en-US" altLang="en-US" b="0">
                           <a:solidFill>
                             <a:srgbClr val="000000"/>
                           </a:solidFill>
@@ -6294,7 +6278,7 @@
                         </a:rPr>
                         <a:t>1</a:t>
                       </a:r>
-                      <a:endParaRPr lang="" altLang="en-US" b="0">
+                      <a:endParaRPr lang="en-US" altLang="en-US" b="0">
                         <a:solidFill>
                           <a:srgbClr val="000000"/>
                         </a:solidFill>
@@ -6352,7 +6336,7 @@
                         <a:buNone/>
                       </a:pPr>
                       <a:r>
-                        <a:rPr lang="" altLang="en-US" b="0">
+                        <a:rPr lang="en-US" altLang="en-US" b="0">
                           <a:solidFill>
                             <a:srgbClr val="000000"/>
                           </a:solidFill>
@@ -6360,7 +6344,7 @@
                         </a:rPr>
                         <a:t>2</a:t>
                       </a:r>
-                      <a:endParaRPr lang="" altLang="en-US" b="0">
+                      <a:endParaRPr lang="en-US" altLang="en-US" b="0">
                         <a:solidFill>
                           <a:srgbClr val="000000"/>
                         </a:solidFill>
@@ -6418,7 +6402,7 @@
                         <a:buNone/>
                       </a:pPr>
                       <a:r>
-                        <a:rPr lang="" altLang="en-US" b="0">
+                        <a:rPr lang="en-US" altLang="en-US" b="0">
                           <a:solidFill>
                             <a:srgbClr val="000000"/>
                           </a:solidFill>
@@ -6426,7 +6410,7 @@
                         </a:rPr>
                         <a:t>5</a:t>
                       </a:r>
-                      <a:endParaRPr lang="" altLang="en-US" b="0">
+                      <a:endParaRPr lang="en-US" altLang="en-US" b="0">
                         <a:solidFill>
                           <a:srgbClr val="000000"/>
                         </a:solidFill>
@@ -6484,7 +6468,7 @@
                         <a:buNone/>
                       </a:pPr>
                       <a:r>
-                        <a:rPr lang="" altLang="en-US" b="0">
+                        <a:rPr lang="en-US" altLang="en-US" b="0">
                           <a:solidFill>
                             <a:srgbClr val="000000"/>
                           </a:solidFill>
@@ -6492,7 +6476,7 @@
                         </a:rPr>
                         <a:t>1</a:t>
                       </a:r>
-                      <a:endParaRPr lang="" altLang="en-US" b="0">
+                      <a:endParaRPr lang="en-US" altLang="en-US" b="0">
                         <a:solidFill>
                           <a:srgbClr val="000000"/>
                         </a:solidFill>
@@ -6616,7 +6600,7 @@
                         <a:buNone/>
                       </a:pPr>
                       <a:r>
-                        <a:rPr lang="" altLang="en-US" b="0">
+                        <a:rPr lang="en-US" altLang="en-US" b="0">
                           <a:solidFill>
                             <a:srgbClr val="000000"/>
                           </a:solidFill>
@@ -6624,7 +6608,7 @@
                         </a:rPr>
                         <a:t>1</a:t>
                       </a:r>
-                      <a:endParaRPr lang="" altLang="en-US" b="0">
+                      <a:endParaRPr lang="en-US" altLang="en-US" b="0">
                         <a:solidFill>
                           <a:srgbClr val="000000"/>
                         </a:solidFill>
@@ -6823,19 +6807,9 @@
                           <a:latin typeface="Calibri" charset="-122"/>
                           <a:sym typeface="+mn-ea"/>
                         </a:rPr>
-                        <a:t>Judul Berita</a:t>
+                        <a:t>Judul Berita4</a:t>
                       </a:r>
-                      <a:r>
-                        <a:rPr lang="" altLang="en-US" sz="1800">
-                          <a:solidFill>
-                            <a:srgbClr val="000000"/>
-                          </a:solidFill>
-                          <a:latin typeface="Calibri" charset="-122"/>
-                          <a:sym typeface="+mn-ea"/>
-                        </a:rPr>
-                        <a:t>4</a:t>
-                      </a:r>
-                      <a:endParaRPr lang="" altLang="en-US" sz="1800" b="0">
+                      <a:endParaRPr lang="en-US" altLang="en-US" sz="1800" b="0">
                         <a:solidFill>
                           <a:srgbClr val="000000"/>
                         </a:solidFill>
@@ -6894,7 +6868,7 @@
                         <a:buNone/>
                       </a:pPr>
                       <a:r>
-                        <a:rPr lang="" altLang="en-US" b="0">
+                        <a:rPr lang="en-US" altLang="en-US" b="0">
                           <a:solidFill>
                             <a:srgbClr val="000000"/>
                           </a:solidFill>
@@ -6902,7 +6876,7 @@
                         </a:rPr>
                         <a:t>1</a:t>
                       </a:r>
-                      <a:endParaRPr lang="" altLang="en-US" b="0">
+                      <a:endParaRPr lang="en-US" altLang="en-US" b="0">
                         <a:solidFill>
                           <a:srgbClr val="000000"/>
                         </a:solidFill>
@@ -6960,7 +6934,7 @@
                         <a:buNone/>
                       </a:pPr>
                       <a:r>
-                        <a:rPr lang="" altLang="en-US" b="0">
+                        <a:rPr lang="en-US" altLang="en-US" b="0">
                           <a:solidFill>
                             <a:srgbClr val="000000"/>
                           </a:solidFill>
@@ -6968,7 +6942,7 @@
                         </a:rPr>
                         <a:t>1</a:t>
                       </a:r>
-                      <a:endParaRPr lang="" altLang="en-US" b="0">
+                      <a:endParaRPr lang="en-US" altLang="en-US" b="0">
                         <a:solidFill>
                           <a:srgbClr val="000000"/>
                         </a:solidFill>
@@ -7026,7 +7000,7 @@
                         <a:buNone/>
                       </a:pPr>
                       <a:r>
-                        <a:rPr lang="" altLang="en-US" b="0">
+                        <a:rPr lang="en-US" altLang="en-US" b="0">
                           <a:solidFill>
                             <a:srgbClr val="000000"/>
                           </a:solidFill>
@@ -7034,7 +7008,7 @@
                         </a:rPr>
                         <a:t>5</a:t>
                       </a:r>
-                      <a:endParaRPr lang="" altLang="en-US" b="0">
+                      <a:endParaRPr lang="en-US" altLang="en-US" b="0">
                         <a:solidFill>
                           <a:srgbClr val="000000"/>
                         </a:solidFill>
@@ -7092,7 +7066,7 @@
                         <a:buNone/>
                       </a:pPr>
                       <a:r>
-                        <a:rPr lang="" altLang="en-US" b="0">
+                        <a:rPr lang="en-US" altLang="en-US" b="0">
                           <a:solidFill>
                             <a:srgbClr val="000000"/>
                           </a:solidFill>
@@ -7100,7 +7074,7 @@
                         </a:rPr>
                         <a:t>1</a:t>
                       </a:r>
-                      <a:endParaRPr lang="" altLang="en-US" b="0">
+                      <a:endParaRPr lang="en-US" altLang="en-US" b="0">
                         <a:solidFill>
                           <a:srgbClr val="000000"/>
                         </a:solidFill>
@@ -7224,7 +7198,7 @@
                         <a:buNone/>
                       </a:pPr>
                       <a:r>
-                        <a:rPr lang="" altLang="en-US" b="0">
+                        <a:rPr lang="en-US" altLang="en-US" b="0">
                           <a:solidFill>
                             <a:srgbClr val="000000"/>
                           </a:solidFill>
@@ -7232,7 +7206,7 @@
                         </a:rPr>
                         <a:t>1</a:t>
                       </a:r>
-                      <a:endParaRPr lang="" altLang="en-US" b="0">
+                      <a:endParaRPr lang="en-US" altLang="en-US" b="0">
                         <a:solidFill>
                           <a:srgbClr val="000000"/>
                         </a:solidFill>
@@ -7431,19 +7405,9 @@
                           <a:latin typeface="Calibri" charset="-122"/>
                           <a:sym typeface="+mn-ea"/>
                         </a:rPr>
-                        <a:t>Judul Berita</a:t>
+                        <a:t>Judul Berita5</a:t>
                       </a:r>
-                      <a:r>
-                        <a:rPr lang="" altLang="en-US" sz="1800">
-                          <a:solidFill>
-                            <a:srgbClr val="000000"/>
-                          </a:solidFill>
-                          <a:latin typeface="Calibri" charset="-122"/>
-                          <a:sym typeface="+mn-ea"/>
-                        </a:rPr>
-                        <a:t>5</a:t>
-                      </a:r>
-                      <a:endParaRPr lang="" altLang="en-US" sz="1800" b="0">
+                      <a:endParaRPr lang="en-US" altLang="en-US" sz="1800" b="0">
                         <a:solidFill>
                           <a:srgbClr val="000000"/>
                         </a:solidFill>
@@ -7502,7 +7466,7 @@
                         <a:buNone/>
                       </a:pPr>
                       <a:r>
-                        <a:rPr lang="" altLang="en-US" b="0">
+                        <a:rPr lang="en-US" altLang="en-US" b="0">
                           <a:solidFill>
                             <a:srgbClr val="000000"/>
                           </a:solidFill>
@@ -7510,7 +7474,7 @@
                         </a:rPr>
                         <a:t>3</a:t>
                       </a:r>
-                      <a:endParaRPr lang="" altLang="en-US" b="0">
+                      <a:endParaRPr lang="en-US" altLang="en-US" b="0">
                         <a:solidFill>
                           <a:srgbClr val="000000"/>
                         </a:solidFill>
@@ -7568,7 +7532,7 @@
                         <a:buNone/>
                       </a:pPr>
                       <a:r>
-                        <a:rPr lang="" altLang="en-US" b="0">
+                        <a:rPr lang="en-US" altLang="en-US" b="0">
                           <a:solidFill>
                             <a:srgbClr val="000000"/>
                           </a:solidFill>
@@ -7576,7 +7540,7 @@
                         </a:rPr>
                         <a:t>3</a:t>
                       </a:r>
-                      <a:endParaRPr lang="" altLang="en-US" b="0">
+                      <a:endParaRPr lang="en-US" altLang="en-US" b="0">
                         <a:solidFill>
                           <a:srgbClr val="000000"/>
                         </a:solidFill>
@@ -7634,7 +7598,7 @@
                         <a:buNone/>
                       </a:pPr>
                       <a:r>
-                        <a:rPr lang="" altLang="en-US" b="0">
+                        <a:rPr lang="en-US" altLang="en-US" b="0">
                           <a:solidFill>
                             <a:srgbClr val="000000"/>
                           </a:solidFill>
@@ -7700,7 +7664,7 @@
                         <a:buNone/>
                       </a:pPr>
                       <a:r>
-                        <a:rPr lang="" altLang="en-US" b="0">
+                        <a:rPr lang="en-US" altLang="en-US" b="0">
                           <a:solidFill>
                             <a:srgbClr val="000000"/>
                           </a:solidFill>
@@ -7708,7 +7672,7 @@
                         </a:rPr>
                         <a:t>1</a:t>
                       </a:r>
-                      <a:endParaRPr lang="" altLang="en-US" b="0">
+                      <a:endParaRPr lang="en-US" altLang="en-US" b="0">
                         <a:solidFill>
                           <a:srgbClr val="000000"/>
                         </a:solidFill>
@@ -7832,7 +7796,7 @@
                         <a:buNone/>
                       </a:pPr>
                       <a:r>
-                        <a:rPr lang="" altLang="en-US" b="0">
+                        <a:rPr lang="en-US" altLang="en-US" b="0">
                           <a:solidFill>
                             <a:srgbClr val="000000"/>
                           </a:solidFill>
@@ -7840,7 +7804,7 @@
                         </a:rPr>
                         <a:t>1</a:t>
                       </a:r>
-                      <a:endParaRPr lang="" altLang="en-US" b="0">
+                      <a:endParaRPr lang="en-US" altLang="en-US" b="0">
                         <a:solidFill>
                           <a:srgbClr val="000000"/>
                         </a:solidFill>
@@ -8039,19 +8003,9 @@
                           <a:latin typeface="Calibri" charset="-122"/>
                           <a:sym typeface="+mn-ea"/>
                         </a:rPr>
-                        <a:t>Judul Berita</a:t>
+                        <a:t>Judul Berita6</a:t>
                       </a:r>
-                      <a:r>
-                        <a:rPr lang="" altLang="en-US" sz="1800">
-                          <a:solidFill>
-                            <a:srgbClr val="000000"/>
-                          </a:solidFill>
-                          <a:latin typeface="Calibri" charset="-122"/>
-                          <a:sym typeface="+mn-ea"/>
-                        </a:rPr>
-                        <a:t>6</a:t>
-                      </a:r>
-                      <a:endParaRPr lang="" altLang="en-US" sz="1800" b="0">
+                      <a:endParaRPr lang="en-US" altLang="en-US" sz="1800" b="0">
                         <a:solidFill>
                           <a:srgbClr val="000000"/>
                         </a:solidFill>
@@ -8110,7 +8064,7 @@
                         <a:buNone/>
                       </a:pPr>
                       <a:r>
-                        <a:rPr lang="" altLang="en-US" b="0">
+                        <a:rPr lang="en-US" altLang="en-US" b="0">
                           <a:solidFill>
                             <a:srgbClr val="000000"/>
                           </a:solidFill>
@@ -8118,7 +8072,7 @@
                         </a:rPr>
                         <a:t>4</a:t>
                       </a:r>
-                      <a:endParaRPr lang="" altLang="en-US" b="0">
+                      <a:endParaRPr lang="en-US" altLang="en-US" b="0">
                         <a:solidFill>
                           <a:srgbClr val="000000"/>
                         </a:solidFill>
@@ -8176,7 +8130,7 @@
                         <a:buNone/>
                       </a:pPr>
                       <a:r>
-                        <a:rPr lang="" altLang="en-US" b="0">
+                        <a:rPr lang="en-US" altLang="en-US" b="0">
                           <a:solidFill>
                             <a:srgbClr val="000000"/>
                           </a:solidFill>
@@ -8184,7 +8138,7 @@
                         </a:rPr>
                         <a:t>4</a:t>
                       </a:r>
-                      <a:endParaRPr lang="" altLang="en-US" b="0">
+                      <a:endParaRPr lang="en-US" altLang="en-US" b="0">
                         <a:solidFill>
                           <a:srgbClr val="000000"/>
                         </a:solidFill>
@@ -8242,7 +8196,7 @@
                         <a:buNone/>
                       </a:pPr>
                       <a:r>
-                        <a:rPr lang="" altLang="en-US" b="0">
+                        <a:rPr lang="en-US" altLang="en-US" b="0">
                           <a:solidFill>
                             <a:srgbClr val="000000"/>
                           </a:solidFill>
@@ -8250,7 +8204,7 @@
                         </a:rPr>
                         <a:t>9</a:t>
                       </a:r>
-                      <a:endParaRPr lang="" altLang="en-US" b="0">
+                      <a:endParaRPr lang="en-US" altLang="en-US" b="0">
                         <a:solidFill>
                           <a:srgbClr val="000000"/>
                         </a:solidFill>
@@ -8308,7 +8262,7 @@
                         <a:buNone/>
                       </a:pPr>
                       <a:r>
-                        <a:rPr lang="" altLang="en-US" b="0">
+                        <a:rPr lang="en-US" altLang="en-US" b="0">
                           <a:solidFill>
                             <a:srgbClr val="000000"/>
                           </a:solidFill>
@@ -8316,7 +8270,7 @@
                         </a:rPr>
                         <a:t>1</a:t>
                       </a:r>
-                      <a:endParaRPr lang="" altLang="en-US" b="0">
+                      <a:endParaRPr lang="en-US" altLang="en-US" b="0">
                         <a:solidFill>
                           <a:srgbClr val="000000"/>
                         </a:solidFill>
@@ -8440,7 +8394,7 @@
                         <a:buNone/>
                       </a:pPr>
                       <a:r>
-                        <a:rPr lang="" altLang="en-US" b="0">
+                        <a:rPr lang="en-US" altLang="en-US" b="0">
                           <a:solidFill>
                             <a:srgbClr val="000000"/>
                           </a:solidFill>
@@ -8448,7 +8402,7 @@
                         </a:rPr>
                         <a:t>1</a:t>
                       </a:r>
-                      <a:endParaRPr lang="" altLang="en-US" b="0">
+                      <a:endParaRPr lang="en-US" altLang="en-US" b="0">
                         <a:solidFill>
                           <a:srgbClr val="000000"/>
                         </a:solidFill>
@@ -8647,19 +8601,9 @@
                           <a:latin typeface="Calibri" charset="-122"/>
                           <a:sym typeface="+mn-ea"/>
                         </a:rPr>
-                        <a:t>Judul Berita</a:t>
+                        <a:t>Judul Berita7</a:t>
                       </a:r>
-                      <a:r>
-                        <a:rPr lang="" altLang="en-US" sz="1800">
-                          <a:solidFill>
-                            <a:srgbClr val="000000"/>
-                          </a:solidFill>
-                          <a:latin typeface="Calibri" charset="-122"/>
-                          <a:sym typeface="+mn-ea"/>
-                        </a:rPr>
-                        <a:t>7</a:t>
-                      </a:r>
-                      <a:endParaRPr lang="" altLang="en-US" sz="1800" b="0">
+                      <a:endParaRPr lang="en-US" altLang="en-US" sz="1800" b="0">
                         <a:solidFill>
                           <a:srgbClr val="000000"/>
                         </a:solidFill>
@@ -8718,7 +8662,7 @@
                         <a:buNone/>
                       </a:pPr>
                       <a:r>
-                        <a:rPr lang="" altLang="en-US" b="0">
+                        <a:rPr lang="en-US" altLang="en-US" b="0">
                           <a:solidFill>
                             <a:srgbClr val="000000"/>
                           </a:solidFill>
@@ -8726,7 +8670,7 @@
                         </a:rPr>
                         <a:t>5</a:t>
                       </a:r>
-                      <a:endParaRPr lang="" altLang="en-US" b="0">
+                      <a:endParaRPr lang="en-US" altLang="en-US" b="0">
                         <a:solidFill>
                           <a:srgbClr val="000000"/>
                         </a:solidFill>
@@ -8784,7 +8728,7 @@
                         <a:buNone/>
                       </a:pPr>
                       <a:r>
-                        <a:rPr lang="" altLang="en-US" b="0">
+                        <a:rPr lang="en-US" altLang="en-US" b="0">
                           <a:solidFill>
                             <a:srgbClr val="000000"/>
                           </a:solidFill>
@@ -8792,7 +8736,7 @@
                         </a:rPr>
                         <a:t>5</a:t>
                       </a:r>
-                      <a:endParaRPr lang="" altLang="en-US" b="0">
+                      <a:endParaRPr lang="en-US" altLang="en-US" b="0">
                         <a:solidFill>
                           <a:srgbClr val="000000"/>
                         </a:solidFill>
@@ -8850,7 +8794,7 @@
                         <a:buNone/>
                       </a:pPr>
                       <a:r>
-                        <a:rPr lang="" altLang="en-US" b="0">
+                        <a:rPr lang="en-US" altLang="en-US" b="0">
                           <a:solidFill>
                             <a:srgbClr val="000000"/>
                           </a:solidFill>
@@ -8916,7 +8860,7 @@
                         <a:buNone/>
                       </a:pPr>
                       <a:r>
-                        <a:rPr lang="" altLang="en-US" b="0">
+                        <a:rPr lang="en-US" altLang="en-US" b="0">
                           <a:solidFill>
                             <a:srgbClr val="000000"/>
                           </a:solidFill>
@@ -8924,7 +8868,7 @@
                         </a:rPr>
                         <a:t>1</a:t>
                       </a:r>
-                      <a:endParaRPr lang="" altLang="en-US" b="0">
+                      <a:endParaRPr lang="en-US" altLang="en-US" b="0">
                         <a:solidFill>
                           <a:srgbClr val="000000"/>
                         </a:solidFill>
@@ -9048,7 +8992,7 @@
                         <a:buNone/>
                       </a:pPr>
                       <a:r>
-                        <a:rPr lang="" altLang="en-US" b="0">
+                        <a:rPr lang="en-US" altLang="en-US" b="0">
                           <a:solidFill>
                             <a:srgbClr val="000000"/>
                           </a:solidFill>
@@ -9056,7 +9000,7 @@
                         </a:rPr>
                         <a:t>1</a:t>
                       </a:r>
-                      <a:endParaRPr lang="" altLang="en-US" b="0">
+                      <a:endParaRPr lang="en-US" altLang="en-US" b="0">
                         <a:solidFill>
                           <a:srgbClr val="000000"/>
                         </a:solidFill>
@@ -9255,19 +9199,9 @@
                           <a:latin typeface="Calibri" charset="-122"/>
                           <a:sym typeface="+mn-ea"/>
                         </a:rPr>
-                        <a:t>Judul Berita</a:t>
+                        <a:t>Judul Berita8</a:t>
                       </a:r>
-                      <a:r>
-                        <a:rPr lang="" altLang="en-US" sz="1800">
-                          <a:solidFill>
-                            <a:srgbClr val="000000"/>
-                          </a:solidFill>
-                          <a:latin typeface="Calibri" charset="-122"/>
-                          <a:sym typeface="+mn-ea"/>
-                        </a:rPr>
-                        <a:t>8</a:t>
-                      </a:r>
-                      <a:endParaRPr lang="" altLang="en-US" sz="1800" b="0">
+                      <a:endParaRPr lang="en-US" altLang="en-US" sz="1800" b="0">
                         <a:solidFill>
                           <a:srgbClr val="000000"/>
                         </a:solidFill>
@@ -9326,7 +9260,7 @@
                         <a:buNone/>
                       </a:pPr>
                       <a:r>
-                        <a:rPr lang="" altLang="en-US" b="0">
+                        <a:rPr lang="en-US" altLang="en-US" b="0">
                           <a:solidFill>
                             <a:srgbClr val="000000"/>
                           </a:solidFill>
@@ -9334,7 +9268,7 @@
                         </a:rPr>
                         <a:t>5</a:t>
                       </a:r>
-                      <a:endParaRPr lang="" altLang="en-US" b="0">
+                      <a:endParaRPr lang="en-US" altLang="en-US" b="0">
                         <a:solidFill>
                           <a:srgbClr val="000000"/>
                         </a:solidFill>
@@ -9392,7 +9326,7 @@
                         <a:buNone/>
                       </a:pPr>
                       <a:r>
-                        <a:rPr lang="" altLang="en-US" b="0">
+                        <a:rPr lang="en-US" altLang="en-US" b="0">
                           <a:solidFill>
                             <a:srgbClr val="000000"/>
                           </a:solidFill>
@@ -9400,7 +9334,7 @@
                         </a:rPr>
                         <a:t>5</a:t>
                       </a:r>
-                      <a:endParaRPr lang="" altLang="en-US" b="0">
+                      <a:endParaRPr lang="en-US" altLang="en-US" b="0">
                         <a:solidFill>
                           <a:srgbClr val="000000"/>
                         </a:solidFill>
@@ -9458,7 +9392,7 @@
                         <a:buNone/>
                       </a:pPr>
                       <a:r>
-                        <a:rPr lang="" altLang="en-US" b="0">
+                        <a:rPr lang="en-US" altLang="en-US" b="0">
                           <a:solidFill>
                             <a:srgbClr val="000000"/>
                           </a:solidFill>
@@ -9466,7 +9400,7 @@
                         </a:rPr>
                         <a:t>4</a:t>
                       </a:r>
-                      <a:endParaRPr lang="" altLang="en-US" b="0">
+                      <a:endParaRPr lang="en-US" altLang="en-US" b="0">
                         <a:solidFill>
                           <a:srgbClr val="000000"/>
                         </a:solidFill>
@@ -9524,7 +9458,7 @@
                         <a:buNone/>
                       </a:pPr>
                       <a:r>
-                        <a:rPr lang="" altLang="en-US" b="0">
+                        <a:rPr lang="en-US" altLang="en-US" b="0">
                           <a:solidFill>
                             <a:srgbClr val="000000"/>
                           </a:solidFill>
@@ -9532,7 +9466,7 @@
                         </a:rPr>
                         <a:t>4</a:t>
                       </a:r>
-                      <a:endParaRPr lang="" altLang="en-US" b="0">
+                      <a:endParaRPr lang="en-US" altLang="en-US" b="0">
                         <a:solidFill>
                           <a:srgbClr val="000000"/>
                         </a:solidFill>
@@ -9590,7 +9524,7 @@
                         <a:buNone/>
                       </a:pPr>
                       <a:r>
-                        <a:rPr lang="" altLang="en-US" b="0">
+                        <a:rPr lang="en-US" altLang="en-US" b="0">
                           <a:solidFill>
                             <a:srgbClr val="000000"/>
                           </a:solidFill>
@@ -9598,7 +9532,7 @@
                         </a:rPr>
                         <a:t>...</a:t>
                       </a:r>
-                      <a:endParaRPr lang="" altLang="en-US" b="0">
+                      <a:endParaRPr lang="en-US" altLang="en-US" b="0">
                         <a:solidFill>
                           <a:srgbClr val="000000"/>
                         </a:solidFill>
@@ -9656,7 +9590,7 @@
                         <a:buNone/>
                       </a:pPr>
                       <a:r>
-                        <a:rPr lang="" altLang="en-US" b="0">
+                        <a:rPr lang="en-US" altLang="en-US" b="0">
                           <a:solidFill>
                             <a:srgbClr val="000000"/>
                           </a:solidFill>
@@ -9664,7 +9598,7 @@
                         </a:rPr>
                         <a:t>1</a:t>
                       </a:r>
-                      <a:endParaRPr lang="" altLang="en-US" b="0">
+                      <a:endParaRPr lang="en-US" altLang="en-US" b="0">
                         <a:solidFill>
                           <a:srgbClr val="000000"/>
                         </a:solidFill>
@@ -9856,7 +9790,7 @@
                         <a:buNone/>
                       </a:pPr>
                       <a:r>
-                        <a:rPr lang="" altLang="en-US" b="0">
+                        <a:rPr lang="en-US" altLang="en-US" b="0">
                           <a:solidFill>
                             <a:srgbClr val="000000"/>
                           </a:solidFill>
@@ -9864,7 +9798,7 @@
                         </a:rPr>
                         <a:t>...</a:t>
                       </a:r>
-                      <a:endParaRPr lang="" altLang="en-US" b="0">
+                      <a:endParaRPr lang="en-US" altLang="en-US" b="0">
                         <a:solidFill>
                           <a:srgbClr val="000000"/>
                         </a:solidFill>
@@ -10386,7 +10320,7 @@
                         <a:buNone/>
                       </a:pPr>
                       <a:r>
-                        <a:rPr lang="" altLang="en-US" b="0">
+                        <a:rPr lang="en-US" altLang="en-US" b="0">
                           <a:solidFill>
                             <a:srgbClr val="000000"/>
                           </a:solidFill>
@@ -10394,7 +10328,7 @@
                         </a:rPr>
                         <a:t>35</a:t>
                       </a:r>
-                      <a:endParaRPr lang="" altLang="en-US" b="0">
+                      <a:endParaRPr lang="en-US" altLang="en-US" b="0">
                         <a:solidFill>
                           <a:srgbClr val="000000"/>
                         </a:solidFill>
@@ -10459,19 +10393,9 @@
                           <a:latin typeface="Calibri" charset="-122"/>
                           <a:sym typeface="+mn-ea"/>
                         </a:rPr>
-                        <a:t>Judul Berita</a:t>
+                        <a:t>Judul BeritaN</a:t>
                       </a:r>
-                      <a:r>
-                        <a:rPr lang="" altLang="en-US" sz="1800">
-                          <a:solidFill>
-                            <a:srgbClr val="000000"/>
-                          </a:solidFill>
-                          <a:latin typeface="Calibri" charset="-122"/>
-                          <a:sym typeface="+mn-ea"/>
-                        </a:rPr>
-                        <a:t>N</a:t>
-                      </a:r>
-                      <a:endParaRPr lang="" altLang="en-US" sz="1800" b="0">
+                      <a:endParaRPr lang="en-US" altLang="en-US" sz="1800" b="0">
                         <a:solidFill>
                           <a:srgbClr val="000000"/>
                         </a:solidFill>
@@ -10794,7 +10718,7 @@
                         <a:buNone/>
                       </a:pPr>
                       <a:r>
-                        <a:rPr lang="" altLang="en-US" b="0">
+                        <a:rPr lang="en-US" altLang="en-US" b="0">
                           <a:solidFill>
                             <a:srgbClr val="000000"/>
                           </a:solidFill>
@@ -10802,7 +10726,7 @@
                         </a:rPr>
                         <a:t>...</a:t>
                       </a:r>
-                      <a:endParaRPr lang="" altLang="en-US" b="0">
+                      <a:endParaRPr lang="en-US" altLang="en-US" b="0">
                         <a:solidFill>
                           <a:srgbClr val="000000"/>
                         </a:solidFill>
@@ -11153,8 +11077,7 @@
           </a:bodyPr>
           <a:p>
             <a:r>
-              <a:rPr lang="" altLang="en-US">
-                <a:ln/>
+              <a:rPr lang="en-US" altLang="en-US">
                 <a:solidFill>
                   <a:schemeClr val="accent4"/>
                 </a:solidFill>
@@ -11163,8 +11086,7 @@
               <a:t>Apabila pada data training tidak terdapat “kata” pada sekumpulan “kata” yang telah ada dari seluruh dokumen hasil proses text mining, maka nilai untuk kata tersebut akan </a:t>
             </a:r>
             <a:r>
-              <a:rPr lang="" altLang="en-US" b="1">
-                <a:ln/>
+              <a:rPr lang="en-US" altLang="en-US" b="1">
                 <a:solidFill>
                   <a:schemeClr val="accent4"/>
                 </a:solidFill>
@@ -11172,8 +11094,7 @@
               </a:rPr>
               <a:t>di nol kan</a:t>
             </a:r>
-            <a:endParaRPr lang="" altLang="en-US" b="1">
-              <a:ln/>
+            <a:endParaRPr lang="en-US" altLang="en-US" b="1">
               <a:solidFill>
                 <a:schemeClr val="accent4"/>
               </a:solidFill>
@@ -11215,10 +11136,10 @@
           <a:bodyPr/>
           <a:p>
             <a:r>
-              <a:rPr lang="" altLang="en-US"/>
+              <a:rPr lang="en-US" altLang="en-US"/>
               <a:t>MEMBUAT DATA TRAINING DAN TESTING</a:t>
             </a:r>
-            <a:endParaRPr lang="" altLang="en-US"/>
+            <a:endParaRPr lang="en-US" altLang="en-US"/>
           </a:p>
         </p:txBody>
       </p:sp>
@@ -11331,10 +11252,10 @@
           </a:bodyPr>
           <a:p>
             <a:r>
-              <a:rPr lang="" altLang="en-US"/>
+              <a:rPr lang="en-US" altLang="en-US"/>
               <a:t>Data Training</a:t>
             </a:r>
-            <a:endParaRPr lang="" altLang="en-US"/>
+            <a:endParaRPr lang="en-US" altLang="en-US"/>
           </a:p>
         </p:txBody>
       </p:sp>
@@ -11377,13 +11298,9 @@
           <a:p>
             <a:r>
               <a:rPr lang="en-US" altLang="en-US"/>
-              <a:t>Data </a:t>
+              <a:t>Data Testing</a:t>
             </a:r>
-            <a:r>
-              <a:rPr lang="" altLang="en-US"/>
-              <a:t>Testing</a:t>
-            </a:r>
-            <a:endParaRPr lang="" altLang="en-US"/>
+            <a:endParaRPr lang="en-US" altLang="en-US"/>
           </a:p>
         </p:txBody>
       </p:sp>
@@ -11420,10 +11337,10 @@
           <a:bodyPr/>
           <a:p>
             <a:r>
-              <a:rPr lang="" altLang="en-US"/>
+              <a:rPr lang="en-US" altLang="en-US"/>
               <a:t>OUTPUT FILE DATA TRAINING</a:t>
             </a:r>
-            <a:endParaRPr lang="" altLang="en-US"/>
+            <a:endParaRPr lang="en-US" altLang="en-US"/>
           </a:p>
         </p:txBody>
       </p:sp>
@@ -11487,9 +11404,13 @@
           <a:p>
             <a:r>
               <a:rPr lang="en-US" altLang="en-US"/>
-              <a:t>OUTPUT FILE DATA TRAINING</a:t>
+              <a:t>OUTPUT FILE DATA </a:t>
             </a:r>
-            <a:endParaRPr lang="en-US" altLang="en-US"/>
+            <a:r>
+              <a:rPr lang="" altLang="en-US"/>
+              <a:t>TESTING</a:t>
+            </a:r>
+            <a:endParaRPr lang="" altLang="en-US"/>
           </a:p>
         </p:txBody>
       </p:sp>
@@ -11756,10 +11677,10 @@
           <a:bodyPr/>
           <a:p>
             <a:r>
-              <a:rPr lang="" altLang="en-US" sz="6000"/>
+              <a:rPr lang="en-US" altLang="en-US" sz="6000"/>
               <a:t>PROSES KLASIFIKASI</a:t>
             </a:r>
-            <a:endParaRPr lang="" altLang="en-US" sz="6000"/>
+            <a:endParaRPr lang="en-US" altLang="en-US" sz="6000"/>
           </a:p>
         </p:txBody>
       </p:sp>
@@ -11796,10 +11717,10 @@
           <a:bodyPr/>
           <a:p>
             <a:r>
-              <a:rPr lang="" altLang="en-US"/>
+              <a:rPr lang="en-US" altLang="en-US"/>
               <a:t>Load data training</a:t>
             </a:r>
-            <a:endParaRPr lang="" altLang="en-US"/>
+            <a:endParaRPr lang="en-US" altLang="en-US"/>
           </a:p>
         </p:txBody>
       </p:sp>
@@ -11867,10 +11788,10 @@
           <a:bodyPr/>
           <a:p>
             <a:r>
-              <a:rPr lang="" altLang="en-US" sz="4000"/>
+              <a:rPr lang="en-US" altLang="en-US" sz="4000"/>
               <a:t>Proses Training dan Testing menggunakan dataset yang sama</a:t>
             </a:r>
-            <a:endParaRPr lang="" altLang="en-US" sz="4000"/>
+            <a:endParaRPr lang="en-US" altLang="en-US" sz="4000"/>
           </a:p>
         </p:txBody>
       </p:sp>
@@ -11969,17 +11890,17 @@
           </a:bodyPr>
           <a:p>
             <a:r>
-              <a:rPr lang="" altLang="en-US"/>
+              <a:rPr lang="en-US" altLang="en-US"/>
               <a:t>Didapatkan akurasi yang bagus diperoleh dengan menggunakan algoritma SVC.</a:t>
             </a:r>
-            <a:endParaRPr lang="" altLang="en-US"/>
+            <a:endParaRPr lang="en-US" altLang="en-US"/>
           </a:p>
           <a:p>
             <a:r>
-              <a:rPr lang="" altLang="en-US"/>
+              <a:rPr lang="en-US" altLang="en-US"/>
               <a:t>dengan nilai akurasi = 82,8%</a:t>
             </a:r>
-            <a:endParaRPr lang="" altLang="en-US"/>
+            <a:endParaRPr lang="en-US" altLang="en-US"/>
           </a:p>
         </p:txBody>
       </p:sp>
@@ -12017,13 +11938,9 @@
           <a:p>
             <a:r>
               <a:rPr lang="en-US" altLang="en-US"/>
-              <a:t>Load data </a:t>
+              <a:t>Load data testing</a:t>
             </a:r>
-            <a:r>
-              <a:rPr lang="" altLang="en-US"/>
-              <a:t>testing</a:t>
-            </a:r>
-            <a:endParaRPr lang="" altLang="en-US"/>
+            <a:endParaRPr lang="en-US" altLang="en-US"/>
           </a:p>
         </p:txBody>
       </p:sp>
@@ -12099,13 +12016,7 @@
               <a:rPr lang="en-US" altLang="en-US">
                 <a:sym typeface="+mn-ea"/>
               </a:rPr>
-              <a:t>Proses </a:t>
-            </a:r>
-            <a:r>
-              <a:rPr lang="" altLang="en-US">
-                <a:sym typeface="+mn-ea"/>
-              </a:rPr>
-              <a:t>testing data</a:t>
+              <a:t>Proses testing data</a:t>
             </a:r>
             <a:br>
               <a:rPr lang="en-US" altLang="en-US"/>
@@ -12210,38 +12121,14 @@
           <a:p>
             <a:r>
               <a:rPr lang="en-US" altLang="en-US"/>
-              <a:t>Dari hasil </a:t>
-            </a:r>
-            <a:r>
-              <a:rPr lang="" altLang="en-US"/>
-              <a:t>proses testing </a:t>
-            </a:r>
-            <a:r>
-              <a:rPr lang="en-US" altLang="en-US"/>
-              <a:t>didapatkan akurasi yang bagus diperoleh dengan menggunakan algoritma SVC.</a:t>
+              <a:t>Dari hasil proses testing didapatkan akurasi yang bagus diperoleh dengan menggunakan algoritma SVC.</a:t>
             </a:r>
             <a:endParaRPr lang="en-US" altLang="en-US"/>
           </a:p>
           <a:p>
             <a:r>
               <a:rPr lang="en-US" altLang="en-US"/>
-              <a:t>dengan nilai akurasi = </a:t>
-            </a:r>
-            <a:r>
-              <a:rPr lang="" altLang="en-US"/>
-              <a:t>46</a:t>
-            </a:r>
-            <a:r>
-              <a:rPr lang="en-US" altLang="en-US"/>
-              <a:t>,</a:t>
-            </a:r>
-            <a:r>
-              <a:rPr lang="" altLang="en-US"/>
-              <a:t>7</a:t>
-            </a:r>
-            <a:r>
-              <a:rPr lang="en-US" altLang="en-US"/>
-              <a:t>%</a:t>
+              <a:t>dengan nilai akurasi = 46,7%</a:t>
             </a:r>
             <a:endParaRPr lang="en-US" altLang="en-US"/>
           </a:p>
@@ -12280,10 +12167,10 @@
           <a:bodyPr/>
           <a:p>
             <a:r>
-              <a:rPr lang="" altLang="en-US"/>
+              <a:rPr lang="en-US" altLang="en-US"/>
               <a:t>Missclassified</a:t>
             </a:r>
-            <a:endParaRPr lang="" altLang="en-US"/>
+            <a:endParaRPr lang="en-US" altLang="en-US"/>
           </a:p>
         </p:txBody>
       </p:sp>
@@ -12969,14 +12856,14 @@
           </a:bodyPr>
           <a:p>
             <a:r>
-              <a:rPr lang="" altLang="en-US">
+              <a:rPr lang="en-US" altLang="en-US">
                 <a:solidFill>
                   <a:srgbClr val="00B050"/>
                 </a:solidFill>
               </a:rPr>
               <a:t>KNN MissClassified</a:t>
             </a:r>
-            <a:endParaRPr lang="" altLang="en-US">
+            <a:endParaRPr lang="en-US" altLang="en-US">
               <a:solidFill>
                 <a:srgbClr val="00B050"/>
               </a:solidFill>
@@ -12985,14 +12872,14 @@
           <a:p>
             <a:pPr algn="ctr"/>
             <a:r>
-              <a:rPr lang="" altLang="en-US" sz="3200" b="1">
+              <a:rPr lang="en-US" altLang="en-US" sz="3200" b="1">
                 <a:solidFill>
                   <a:srgbClr val="00B050"/>
                 </a:solidFill>
               </a:rPr>
               <a:t>10</a:t>
             </a:r>
-            <a:endParaRPr lang="" altLang="en-US" sz="3200" b="1">
+            <a:endParaRPr lang="en-US" altLang="en-US" sz="3200" b="1">
               <a:solidFill>
                 <a:srgbClr val="00B050"/>
               </a:solidFill>
@@ -13022,20 +12909,12 @@
           </a:bodyPr>
           <a:p>
             <a:r>
-              <a:rPr lang="" altLang="en-US">
-                <a:solidFill>
-                  <a:srgbClr val="FF0000"/>
-                </a:solidFill>
-              </a:rPr>
-              <a:t>SVC </a:t>
-            </a:r>
-            <a:r>
               <a:rPr lang="en-US" altLang="en-US">
                 <a:solidFill>
                   <a:srgbClr val="FF0000"/>
                 </a:solidFill>
               </a:rPr>
-              <a:t>MissClassified</a:t>
+              <a:t>SVC MissClassified</a:t>
             </a:r>
             <a:endParaRPr lang="en-US" altLang="en-US">
               <a:solidFill>
@@ -13046,14 +12925,14 @@
           <a:p>
             <a:pPr algn="ctr"/>
             <a:r>
-              <a:rPr lang="" altLang="en-US" sz="3200" b="1">
+              <a:rPr lang="en-US" altLang="en-US" sz="3200" b="1">
                 <a:solidFill>
                   <a:srgbClr val="FF0000"/>
                 </a:solidFill>
               </a:rPr>
               <a:t>8</a:t>
             </a:r>
-            <a:endParaRPr lang="" altLang="en-US" sz="3200" b="1">
+            <a:endParaRPr lang="en-US" altLang="en-US" sz="3200" b="1">
               <a:solidFill>
                 <a:srgbClr val="FF0000"/>
               </a:solidFill>
@@ -13099,17 +12978,17 @@
           <a:bodyPr/>
           <a:p>
             <a:r>
-              <a:rPr lang="" altLang="en-US" b="1"/>
+              <a:rPr lang="en-US" altLang="en-US" b="1"/>
               <a:t>PERSIAPAN</a:t>
             </a:r>
             <a:br>
-              <a:rPr lang="" altLang="en-US" b="1"/>
+              <a:rPr lang="en-US" altLang="en-US" b="1"/>
             </a:br>
             <a:r>
-              <a:rPr lang="" altLang="en-US" b="1"/>
+              <a:rPr lang="en-US" altLang="en-US" b="1"/>
               <a:t>DATASET</a:t>
             </a:r>
-            <a:endParaRPr lang="" altLang="en-US" b="1"/>
+            <a:endParaRPr lang="en-US" altLang="en-US" b="1"/>
           </a:p>
         </p:txBody>
       </p:sp>
@@ -13535,10 +13414,10 @@
           <a:p>
             <a:pPr algn="ctr"/>
             <a:r>
-              <a:rPr lang="" altLang="en-US"/>
+              <a:rPr lang="en-US" altLang="en-US"/>
               <a:t>ROOT DIR</a:t>
             </a:r>
-            <a:endParaRPr lang="" altLang="en-US"/>
+            <a:endParaRPr lang="en-US" altLang="en-US"/>
           </a:p>
         </p:txBody>
       </p:sp>
@@ -13632,10 +13511,10 @@
           <a:bodyPr/>
           <a:p>
             <a:r>
-              <a:rPr lang="" altLang="en-US"/>
+              <a:rPr lang="en-US" altLang="en-US"/>
               <a:t>	TERIMAKASIH</a:t>
             </a:r>
-            <a:endParaRPr lang="" altLang="en-US"/>
+            <a:endParaRPr lang="en-US" altLang="en-US"/>
           </a:p>
         </p:txBody>
       </p:sp>
@@ -13677,10 +13556,10 @@
           <a:bodyPr/>
           <a:p>
             <a:r>
-              <a:rPr lang="" altLang="en-US" b="1"/>
+              <a:rPr lang="en-US" altLang="en-US" b="1"/>
               <a:t>MEMBACA DATA</a:t>
             </a:r>
-            <a:endParaRPr lang="" altLang="en-US" b="1"/>
+            <a:endParaRPr lang="en-US" altLang="en-US" b="1"/>
           </a:p>
         </p:txBody>
       </p:sp>
@@ -13797,17 +13676,17 @@
           <a:bodyPr/>
           <a:p>
             <a:r>
-              <a:rPr lang="" altLang="en-US" b="1"/>
+              <a:rPr lang="en-US" altLang="en-US" b="1"/>
               <a:t>PEMISAHAN DATA</a:t>
             </a:r>
             <a:br>
-              <a:rPr lang="" altLang="en-US"/>
+              <a:rPr lang="en-US" altLang="en-US"/>
             </a:br>
             <a:r>
-              <a:rPr lang="" altLang="en-US" sz="2400"/>
+              <a:rPr lang="en-US" altLang="en-US" sz="2400"/>
               <a:t>Data training = 70% dan Data testing = 30%</a:t>
             </a:r>
-            <a:endParaRPr lang="" altLang="en-US" sz="2400"/>
+            <a:endParaRPr lang="en-US" altLang="en-US" sz="2400"/>
           </a:p>
         </p:txBody>
       </p:sp>
@@ -13953,10 +13832,10 @@
           <a:p>
             <a:pPr algn="ctr"/>
             <a:r>
-              <a:rPr lang="" altLang="en-US" b="1"/>
+              <a:rPr lang="en-US" altLang="en-US" b="1"/>
               <a:t>MEMBUAT FORMAT DATA STANDARD</a:t>
             </a:r>
-            <a:endParaRPr lang="" altLang="en-US" b="1"/>
+            <a:endParaRPr lang="en-US" altLang="en-US" b="1"/>
           </a:p>
         </p:txBody>
       </p:sp>
@@ -14064,7 +13943,7 @@
                         <a:buNone/>
                       </a:pPr>
                       <a:r>
-                        <a:rPr lang="" altLang="en-US" b="0">
+                        <a:rPr lang="en-US" altLang="en-US" b="0">
                           <a:solidFill>
                             <a:srgbClr val="FFFFFF"/>
                           </a:solidFill>
@@ -14072,7 +13951,7 @@
                         </a:rPr>
                         <a:t>title</a:t>
                       </a:r>
-                      <a:endParaRPr lang="" altLang="en-US" b="0">
+                      <a:endParaRPr lang="en-US" altLang="en-US" b="0">
                         <a:solidFill>
                           <a:srgbClr val="FFFFFF"/>
                         </a:solidFill>
@@ -14676,7 +14555,7 @@
                         <a:buNone/>
                       </a:pPr>
                       <a:r>
-                        <a:rPr lang="" altLang="en-US" b="0">
+                        <a:rPr lang="en-US" altLang="en-US" b="0">
                           <a:solidFill>
                             <a:srgbClr val="000000"/>
                           </a:solidFill>
@@ -14684,7 +14563,7 @@
                         </a:rPr>
                         <a:t>judul1</a:t>
                       </a:r>
-                      <a:endParaRPr lang="" altLang="en-US" b="0">
+                      <a:endParaRPr lang="en-US" altLang="en-US" b="0">
                         <a:solidFill>
                           <a:srgbClr val="000000"/>
                         </a:solidFill>
@@ -14742,7 +14621,7 @@
                         <a:buNone/>
                       </a:pPr>
                       <a:r>
-                        <a:rPr lang="" altLang="en-US" b="0">
+                        <a:rPr lang="en-US" altLang="en-US" b="0">
                           <a:solidFill>
                             <a:srgbClr val="000000"/>
                           </a:solidFill>
@@ -14750,7 +14629,7 @@
                         </a:rPr>
                         <a:t>x</a:t>
                       </a:r>
-                      <a:endParaRPr lang="" altLang="en-US" b="0">
+                      <a:endParaRPr lang="en-US" altLang="en-US" b="0">
                         <a:solidFill>
                           <a:srgbClr val="000000"/>
                         </a:solidFill>
@@ -14808,7 +14687,7 @@
                         <a:buNone/>
                       </a:pPr>
                       <a:r>
-                        <a:rPr lang="" altLang="en-US" b="0">
+                        <a:rPr lang="en-US" altLang="en-US" b="0">
                           <a:solidFill>
                             <a:srgbClr val="000000"/>
                           </a:solidFill>
@@ -14816,7 +14695,7 @@
                         </a:rPr>
                         <a:t>x</a:t>
                       </a:r>
-                      <a:endParaRPr lang="" altLang="en-US" b="0">
+                      <a:endParaRPr lang="en-US" altLang="en-US" b="0">
                         <a:solidFill>
                           <a:srgbClr val="000000"/>
                         </a:solidFill>
@@ -14874,7 +14753,7 @@
                         <a:buNone/>
                       </a:pPr>
                       <a:r>
-                        <a:rPr lang="" altLang="en-US" b="0">
+                        <a:rPr lang="en-US" altLang="en-US" b="0">
                           <a:solidFill>
                             <a:srgbClr val="000000"/>
                           </a:solidFill>
@@ -14882,7 +14761,7 @@
                         </a:rPr>
                         <a:t>x</a:t>
                       </a:r>
-                      <a:endParaRPr lang="" altLang="en-US" b="0">
+                      <a:endParaRPr lang="en-US" altLang="en-US" b="0">
                         <a:solidFill>
                           <a:srgbClr val="000000"/>
                         </a:solidFill>
@@ -14940,7 +14819,7 @@
                         <a:buNone/>
                       </a:pPr>
                       <a:r>
-                        <a:rPr lang="" altLang="en-US" b="0">
+                        <a:rPr lang="en-US" altLang="en-US" b="0">
                           <a:solidFill>
                             <a:srgbClr val="000000"/>
                           </a:solidFill>
@@ -14948,7 +14827,7 @@
                         </a:rPr>
                         <a:t>x</a:t>
                       </a:r>
-                      <a:endParaRPr lang="" altLang="en-US" b="0">
+                      <a:endParaRPr lang="en-US" altLang="en-US" b="0">
                         <a:solidFill>
                           <a:srgbClr val="000000"/>
                         </a:solidFill>
@@ -15006,7 +14885,7 @@
                         <a:buNone/>
                       </a:pPr>
                       <a:r>
-                        <a:rPr lang="" altLang="en-US" b="0">
+                        <a:rPr lang="en-US" altLang="en-US" b="0">
                           <a:solidFill>
                             <a:srgbClr val="000000"/>
                           </a:solidFill>
@@ -15014,7 +14893,7 @@
                         </a:rPr>
                         <a:t>x</a:t>
                       </a:r>
-                      <a:endParaRPr lang="" altLang="en-US" b="0">
+                      <a:endParaRPr lang="en-US" altLang="en-US" b="0">
                         <a:solidFill>
                           <a:srgbClr val="000000"/>
                         </a:solidFill>
@@ -15072,7 +14951,7 @@
                         <a:buNone/>
                       </a:pPr>
                       <a:r>
-                        <a:rPr lang="" altLang="en-US" b="0">
+                        <a:rPr lang="en-US" altLang="en-US" b="0">
                           <a:solidFill>
                             <a:srgbClr val="000000"/>
                           </a:solidFill>
@@ -15080,7 +14959,7 @@
                         </a:rPr>
                         <a:t>x</a:t>
                       </a:r>
-                      <a:endParaRPr lang="" altLang="en-US" b="0">
+                      <a:endParaRPr lang="en-US" altLang="en-US" b="0">
                         <a:solidFill>
                           <a:srgbClr val="000000"/>
                         </a:solidFill>
@@ -15138,7 +15017,7 @@
                         <a:buNone/>
                       </a:pPr>
                       <a:r>
-                        <a:rPr lang="" altLang="en-US" b="0">
+                        <a:rPr lang="en-US" altLang="en-US" b="0">
                           <a:solidFill>
                             <a:srgbClr val="000000"/>
                           </a:solidFill>
@@ -15146,7 +15025,7 @@
                         </a:rPr>
                         <a:t>kategori1</a:t>
                       </a:r>
-                      <a:endParaRPr lang="" altLang="en-US" b="0">
+                      <a:endParaRPr lang="en-US" altLang="en-US" b="0">
                         <a:solidFill>
                           <a:srgbClr val="000000"/>
                         </a:solidFill>
@@ -15272,7 +15151,7 @@
                         <a:buNone/>
                       </a:pPr>
                       <a:r>
-                        <a:rPr lang="" altLang="en-US" sz="1800">
+                        <a:rPr lang="en-US" altLang="en-US" sz="1800">
                           <a:solidFill>
                             <a:srgbClr val="000000"/>
                           </a:solidFill>
@@ -15281,7 +15160,7 @@
                         </a:rPr>
                         <a:t>judul2</a:t>
                       </a:r>
-                      <a:endParaRPr lang="" altLang="en-US" sz="1800" b="0">
+                      <a:endParaRPr lang="en-US" altLang="en-US" sz="1800" b="0">
                         <a:solidFill>
                           <a:srgbClr val="000000"/>
                         </a:solidFill>
@@ -15340,7 +15219,7 @@
                         <a:buNone/>
                       </a:pPr>
                       <a:r>
-                        <a:rPr lang="" altLang="en-US" b="0">
+                        <a:rPr lang="en-US" altLang="en-US" b="0">
                           <a:solidFill>
                             <a:srgbClr val="000000"/>
                           </a:solidFill>
@@ -15348,7 +15227,7 @@
                         </a:rPr>
                         <a:t>x</a:t>
                       </a:r>
-                      <a:endParaRPr lang="" altLang="en-US" b="0">
+                      <a:endParaRPr lang="en-US" altLang="en-US" b="0">
                         <a:solidFill>
                           <a:srgbClr val="000000"/>
                         </a:solidFill>
@@ -15406,7 +15285,7 @@
                         <a:buNone/>
                       </a:pPr>
                       <a:r>
-                        <a:rPr lang="" altLang="en-US" b="0">
+                        <a:rPr lang="en-US" altLang="en-US" b="0">
                           <a:solidFill>
                             <a:srgbClr val="000000"/>
                           </a:solidFill>
@@ -15414,7 +15293,7 @@
                         </a:rPr>
                         <a:t>x</a:t>
                       </a:r>
-                      <a:endParaRPr lang="" altLang="en-US" b="0">
+                      <a:endParaRPr lang="en-US" altLang="en-US" b="0">
                         <a:solidFill>
                           <a:srgbClr val="000000"/>
                         </a:solidFill>
@@ -15472,7 +15351,7 @@
                         <a:buNone/>
                       </a:pPr>
                       <a:r>
-                        <a:rPr lang="" altLang="en-US" b="0">
+                        <a:rPr lang="en-US" altLang="en-US" b="0">
                           <a:solidFill>
                             <a:srgbClr val="000000"/>
                           </a:solidFill>
@@ -15480,7 +15359,7 @@
                         </a:rPr>
                         <a:t>x</a:t>
                       </a:r>
-                      <a:endParaRPr lang="" altLang="en-US" b="0">
+                      <a:endParaRPr lang="en-US" altLang="en-US" b="0">
                         <a:solidFill>
                           <a:srgbClr val="000000"/>
                         </a:solidFill>
@@ -15538,7 +15417,7 @@
                         <a:buNone/>
                       </a:pPr>
                       <a:r>
-                        <a:rPr lang="" altLang="en-US" b="0">
+                        <a:rPr lang="en-US" altLang="en-US" b="0">
                           <a:solidFill>
                             <a:srgbClr val="000000"/>
                           </a:solidFill>
@@ -15546,7 +15425,7 @@
                         </a:rPr>
                         <a:t>x</a:t>
                       </a:r>
-                      <a:endParaRPr lang="" altLang="en-US" b="0">
+                      <a:endParaRPr lang="en-US" altLang="en-US" b="0">
                         <a:solidFill>
                           <a:srgbClr val="000000"/>
                         </a:solidFill>
@@ -15604,7 +15483,7 @@
                         <a:buNone/>
                       </a:pPr>
                       <a:r>
-                        <a:rPr lang="" altLang="en-US" b="0">
+                        <a:rPr lang="en-US" altLang="en-US" b="0">
                           <a:solidFill>
                             <a:srgbClr val="000000"/>
                           </a:solidFill>
@@ -15612,7 +15491,7 @@
                         </a:rPr>
                         <a:t>x</a:t>
                       </a:r>
-                      <a:endParaRPr lang="" altLang="en-US" b="0">
+                      <a:endParaRPr lang="en-US" altLang="en-US" b="0">
                         <a:solidFill>
                           <a:srgbClr val="000000"/>
                         </a:solidFill>
@@ -15670,7 +15549,7 @@
                         <a:buNone/>
                       </a:pPr>
                       <a:r>
-                        <a:rPr lang="" altLang="en-US" b="0">
+                        <a:rPr lang="en-US" altLang="en-US" b="0">
                           <a:solidFill>
                             <a:srgbClr val="000000"/>
                           </a:solidFill>
@@ -15678,7 +15557,7 @@
                         </a:rPr>
                         <a:t>x</a:t>
                       </a:r>
-                      <a:endParaRPr lang="" altLang="en-US" b="0">
+                      <a:endParaRPr lang="en-US" altLang="en-US" b="0">
                         <a:solidFill>
                           <a:srgbClr val="000000"/>
                         </a:solidFill>
@@ -15871,7 +15750,7 @@
                         <a:buNone/>
                       </a:pPr>
                       <a:r>
-                        <a:rPr lang="" altLang="en-US" sz="1800">
+                        <a:rPr lang="en-US" altLang="en-US" sz="1800">
                           <a:solidFill>
                             <a:srgbClr val="000000"/>
                           </a:solidFill>
@@ -15880,7 +15759,7 @@
                         </a:rPr>
                         <a:t>judul3</a:t>
                       </a:r>
-                      <a:endParaRPr lang="" altLang="en-US" sz="1800" b="0">
+                      <a:endParaRPr lang="en-US" altLang="en-US" sz="1800" b="0">
                         <a:solidFill>
                           <a:srgbClr val="000000"/>
                         </a:solidFill>
@@ -16470,7 +16349,7 @@
                         <a:buNone/>
                       </a:pPr>
                       <a:r>
-                        <a:rPr lang="" altLang="en-US" sz="1800">
+                        <a:rPr lang="en-US" altLang="en-US" sz="1800">
                           <a:solidFill>
                             <a:srgbClr val="000000"/>
                           </a:solidFill>
@@ -16479,7 +16358,7 @@
                         </a:rPr>
                         <a:t>judul4</a:t>
                       </a:r>
-                      <a:endParaRPr lang="" altLang="en-US" sz="1800" b="0">
+                      <a:endParaRPr lang="en-US" altLang="en-US" sz="1800" b="0">
                         <a:solidFill>
                           <a:srgbClr val="000000"/>
                         </a:solidFill>
@@ -17003,7 +16882,7 @@
                         <a:buNone/>
                       </a:pPr>
                       <a:r>
-                        <a:rPr lang="" altLang="en-US" b="0">
+                        <a:rPr lang="en-US" altLang="en-US" b="0">
                           <a:solidFill>
                             <a:srgbClr val="000000"/>
                           </a:solidFill>
@@ -17011,7 +16890,7 @@
                         </a:rPr>
                         <a:t>N</a:t>
                       </a:r>
-                      <a:endParaRPr lang="" altLang="en-US" b="0">
+                      <a:endParaRPr lang="en-US" altLang="en-US" b="0">
                         <a:solidFill>
                           <a:srgbClr val="000000"/>
                         </a:solidFill>
@@ -17069,7 +16948,7 @@
                         <a:buNone/>
                       </a:pPr>
                       <a:r>
-                        <a:rPr lang="" altLang="en-US" sz="1800">
+                        <a:rPr lang="en-US" altLang="en-US" sz="1800">
                           <a:solidFill>
                             <a:srgbClr val="000000"/>
                           </a:solidFill>
@@ -17078,7 +16957,7 @@
                         </a:rPr>
                         <a:t>judulN</a:t>
                       </a:r>
-                      <a:endParaRPr lang="" altLang="en-US" sz="1800" b="0">
+                      <a:endParaRPr lang="en-US" altLang="en-US" sz="1800" b="0">
                         <a:solidFill>
                           <a:srgbClr val="000000"/>
                         </a:solidFill>
@@ -17540,19 +17419,9 @@
                           <a:latin typeface="Calibri" charset="-122"/>
                           <a:sym typeface="+mn-ea"/>
                         </a:rPr>
-                        <a:t>kategori</a:t>
+                        <a:t>kategoriN</a:t>
                       </a:r>
-                      <a:r>
-                        <a:rPr lang="" altLang="en-US" sz="1800">
-                          <a:solidFill>
-                            <a:srgbClr val="000000"/>
-                          </a:solidFill>
-                          <a:latin typeface="Calibri" charset="-122"/>
-                          <a:sym typeface="+mn-ea"/>
-                        </a:rPr>
-                        <a:t>N</a:t>
-                      </a:r>
-                      <a:endParaRPr lang="" altLang="en-US" sz="1800" b="0">
+                      <a:endParaRPr lang="en-US" altLang="en-US" sz="1800" b="0">
                         <a:solidFill>
                           <a:srgbClr val="000000"/>
                         </a:solidFill>
@@ -17740,7 +17609,7 @@
               <a:buNone/>
             </a:pPr>
             <a:r>
-              <a:rPr kumimoji="0" lang="" altLang="zh-CN" sz="1400" b="0" i="0" u="none" strike="noStrike" cap="none" normalizeH="0" baseline="0" smtClean="0">
+              <a:rPr kumimoji="0" lang="en-US" altLang="zh-CN" sz="1400" b="0" i="0" u="none" strike="noStrike" cap="none" normalizeH="0" baseline="0" smtClean="0">
                 <a:ln>
                   <a:noFill/>
                 </a:ln>
@@ -17753,7 +17622,7 @@
               </a:rPr>
               <a:t>hasil penggabungan seluruh kata</a:t>
             </a:r>
-            <a:endParaRPr kumimoji="0" lang="" altLang="zh-CN" sz="1400" b="0" i="0" u="none" strike="noStrike" cap="none" normalizeH="0" baseline="0" smtClean="0">
+            <a:endParaRPr kumimoji="0" lang="en-US" altLang="zh-CN" sz="1400" b="0" i="0" u="none" strike="noStrike" cap="none" normalizeH="0" baseline="0" smtClean="0">
               <a:ln>
                 <a:noFill/>
               </a:ln>
@@ -17782,7 +17651,7 @@
               <a:buNone/>
             </a:pPr>
             <a:r>
-              <a:rPr kumimoji="0" lang="" altLang="zh-CN" sz="1400" b="0" i="0" u="none" strike="noStrike" cap="none" normalizeH="0" baseline="0" smtClean="0">
+              <a:rPr kumimoji="0" lang="en-US" altLang="zh-CN" sz="1400" b="0" i="0" u="none" strike="noStrike" cap="none" normalizeH="0" baseline="0" smtClean="0">
                 <a:ln>
                   <a:noFill/>
                 </a:ln>
@@ -17795,7 +17664,7 @@
               </a:rPr>
               <a:t>dari seluruh kategori dokumen</a:t>
             </a:r>
-            <a:endParaRPr kumimoji="0" lang="" altLang="zh-CN" sz="1400" b="0" i="0" u="none" strike="noStrike" cap="none" normalizeH="0" baseline="0" smtClean="0">
+            <a:endParaRPr kumimoji="0" lang="en-US" altLang="zh-CN" sz="1400" b="0" i="0" u="none" strike="noStrike" cap="none" normalizeH="0" baseline="0" smtClean="0">
               <a:ln>
                 <a:noFill/>
               </a:ln>
@@ -17847,24 +17716,24 @@
           <a:bodyPr/>
           <a:p>
             <a:r>
-              <a:rPr lang="" altLang="en-US" b="1"/>
+              <a:rPr lang="en-US" altLang="en-US" b="1"/>
               <a:t>MEMBUAT</a:t>
             </a:r>
             <a:br>
-              <a:rPr lang="" altLang="en-US" b="1"/>
+              <a:rPr lang="en-US" altLang="en-US" b="1"/>
             </a:br>
             <a:r>
-              <a:rPr lang="" altLang="en-US" b="1"/>
+              <a:rPr lang="en-US" altLang="en-US" b="1"/>
               <a:t>FORMAT DATA </a:t>
             </a:r>
             <a:br>
-              <a:rPr lang="" altLang="en-US" b="1"/>
+              <a:rPr lang="en-US" altLang="en-US" b="1"/>
             </a:br>
             <a:r>
-              <a:rPr lang="" altLang="en-US" b="1"/>
+              <a:rPr lang="en-US" altLang="en-US" b="1"/>
               <a:t>STANDARD</a:t>
             </a:r>
-            <a:endParaRPr lang="" altLang="en-US" b="1"/>
+            <a:endParaRPr lang="en-US" altLang="en-US" b="1"/>
           </a:p>
         </p:txBody>
       </p:sp>
@@ -17888,16 +17757,16 @@
           <a:bodyPr/>
           <a:p>
             <a:r>
-              <a:rPr lang="" altLang="en-US"/>
+              <a:rPr lang="en-US" altLang="en-US"/>
               <a:t>Mengambil seluruh kata hasil proses text mining pada semua artikel</a:t>
             </a:r>
-            <a:endParaRPr lang="" altLang="en-US"/>
+            <a:endParaRPr lang="en-US" altLang="en-US"/>
           </a:p>
           <a:p>
             <a:pPr marL="0" indent="0">
               <a:buNone/>
             </a:pPr>
-            <a:endParaRPr lang="" altLang="en-US"/>
+            <a:endParaRPr lang="en-US" altLang="en-US"/>
           </a:p>
         </p:txBody>
       </p:sp>
@@ -18037,21 +17906,21 @@
           <a:bodyPr/>
           <a:p>
             <a:r>
-              <a:rPr lang="" altLang="en-US"/>
+              <a:rPr lang="en-US" altLang="en-US"/>
               <a:t>OUTPUT</a:t>
             </a:r>
             <a:br>
-              <a:rPr lang="" altLang="en-US"/>
+              <a:rPr lang="en-US" altLang="en-US"/>
             </a:br>
             <a:r>
-              <a:rPr lang="" altLang="en-US" sz="2800"/>
+              <a:rPr lang="en-US" altLang="en-US" sz="2800"/>
               <a:t>dengan </a:t>
             </a:r>
             <a:r>
-              <a:rPr lang="" altLang="en-US" sz="2800" b="1"/>
+              <a:rPr lang="en-US" altLang="en-US" sz="2800" b="1"/>
               <a:t>threshold = 5</a:t>
             </a:r>
-            <a:endParaRPr lang="" altLang="en-US" sz="2800" b="1"/>
+            <a:endParaRPr lang="en-US" altLang="en-US" sz="2800" b="1"/>
           </a:p>
         </p:txBody>
       </p:sp>
@@ -18143,17 +18012,17 @@
           <a:bodyPr/>
           <a:p>
             <a:r>
-              <a:rPr lang="" altLang="en-US" b="1"/>
+              <a:rPr lang="en-US" altLang="en-US" b="1"/>
               <a:t>PROSES PENGGABUNGAN </a:t>
             </a:r>
             <a:br>
-              <a:rPr lang="" altLang="en-US" b="1"/>
+              <a:rPr lang="en-US" altLang="en-US" b="1"/>
             </a:br>
             <a:r>
-              <a:rPr lang="" altLang="en-US" b="1"/>
+              <a:rPr lang="en-US" altLang="en-US" b="1"/>
               <a:t>SELURUH LIST WORD</a:t>
             </a:r>
-            <a:endParaRPr lang="" altLang="en-US" b="1"/>
+            <a:endParaRPr lang="en-US" altLang="en-US" b="1"/>
           </a:p>
         </p:txBody>
       </p:sp>
@@ -18242,17 +18111,17 @@
           </a:bodyPr>
           <a:p>
             <a:r>
-              <a:rPr lang="" altLang="en-US"/>
+              <a:rPr lang="en-US" altLang="en-US"/>
               <a:t>VARIABEL 	: wordsAllArticles</a:t>
             </a:r>
-            <a:endParaRPr lang="" altLang="en-US"/>
+            <a:endParaRPr lang="en-US" altLang="en-US"/>
           </a:p>
           <a:p>
             <a:r>
-              <a:rPr lang="" altLang="en-US"/>
+              <a:rPr lang="en-US" altLang="en-US"/>
               <a:t>TOTAL KATA	: 371</a:t>
             </a:r>
-            <a:endParaRPr lang="" altLang="en-US"/>
+            <a:endParaRPr lang="en-US" altLang="en-US"/>
           </a:p>
         </p:txBody>
       </p:sp>
@@ -18295,17 +18164,17 @@
           <a:p>
             <a:pPr algn="ctr"/>
             <a:r>
-              <a:rPr lang="" altLang="en-US" b="1"/>
+              <a:rPr lang="en-US" altLang="en-US" b="1"/>
               <a:t>Format data akhir</a:t>
             </a:r>
             <a:br>
-              <a:rPr lang="" altLang="en-US"/>
+              <a:rPr lang="en-US" altLang="en-US"/>
             </a:br>
             <a:r>
-              <a:rPr lang="" altLang="en-US"/>
+              <a:rPr lang="en-US" altLang="en-US"/>
               <a:t>Setelah proses penggabungan seluruh kata hasil proses text mining</a:t>
             </a:r>
-            <a:endParaRPr lang="" altLang="en-US"/>
+            <a:endParaRPr lang="en-US" altLang="en-US"/>
           </a:p>
         </p:txBody>
       </p:sp>
@@ -18764,7 +18633,7 @@
                         <a:buNone/>
                       </a:pPr>
                       <a:r>
-                        <a:rPr lang="" altLang="en-US" b="0">
+                        <a:rPr lang="en-US" altLang="en-US" b="0">
                           <a:solidFill>
                             <a:srgbClr val="FFFFFF"/>
                           </a:solidFill>
@@ -18772,7 +18641,7 @@
                         </a:rPr>
                         <a:t>....</a:t>
                       </a:r>
-                      <a:endParaRPr lang="" altLang="en-US" b="0">
+                      <a:endParaRPr lang="en-US" altLang="en-US" b="0">
                         <a:solidFill>
                           <a:srgbClr val="FFFFFF"/>
                         </a:solidFill>
@@ -18841,7 +18710,7 @@
                         <a:t>word</a:t>
                       </a:r>
                       <a:r>
-                        <a:rPr lang="" altLang="en-US" b="1">
+                        <a:rPr lang="en-US" altLang="en-US" b="1">
                           <a:solidFill>
                             <a:srgbClr val="FFFF00"/>
                           </a:solidFill>
@@ -18849,7 +18718,7 @@
                         </a:rPr>
                         <a:t>371</a:t>
                       </a:r>
-                      <a:endParaRPr lang="" altLang="en-US" b="1">
+                      <a:endParaRPr lang="en-US" altLang="en-US" b="1">
                         <a:solidFill>
                           <a:srgbClr val="FFFF00"/>
                         </a:solidFill>
@@ -21989,21 +21858,21 @@
           </a:bodyPr>
           <a:p>
             <a:r>
-              <a:rPr lang="" altLang="en-US"/>
+              <a:rPr lang="en-US" altLang="en-US"/>
               <a:t>Total feature (words atau kata-kata) dari hasil proses text mining, dengan threshold = 5,</a:t>
             </a:r>
-            <a:endParaRPr lang="" altLang="en-US"/>
+            <a:endParaRPr lang="en-US" altLang="en-US"/>
           </a:p>
           <a:p>
             <a:r>
-              <a:rPr lang="" altLang="en-US"/>
+              <a:rPr lang="en-US" altLang="en-US"/>
               <a:t>didapatkan sebanyak </a:t>
             </a:r>
             <a:r>
-              <a:rPr lang="" altLang="en-US" b="1"/>
+              <a:rPr lang="en-US" altLang="en-US" b="1"/>
               <a:t>371 feature</a:t>
             </a:r>
-            <a:endParaRPr lang="" altLang="en-US" b="1"/>
+            <a:endParaRPr lang="en-US" altLang="en-US" b="1"/>
           </a:p>
         </p:txBody>
       </p:sp>
